--- a/THR30055 - Creating Approval Flows with Microsoft Power Automate/Creating Approval Flows with Microsoft Power Automate.pptx
+++ b/THR30055 - Creating Approval Flows with Microsoft Power Automate/Creating Approval Flows with Microsoft Power Automate.pptx
@@ -287,7 +287,7 @@
               <a:rPr lang="en-US" smtClean="0">
                 <a:latin typeface="Segoe UI" pitchFamily="34" charset="0"/>
               </a:rPr>
-              <a:t>1/7/2020 3:58 PM</a:t>
+              <a:t>1/8/2020 1:51 PM</a:t>
             </a:fld>
             <a:endParaRPr lang="en-US" dirty="0">
               <a:latin typeface="Segoe UI" pitchFamily="34" charset="0"/>
@@ -565,7 +565,7 @@
           <a:p>
             <a:fld id="{386CE63F-9E7F-4C04-9D0D-FCA25A8E9E86}" type="datetime8">
               <a:rPr lang="en-US" smtClean="0"/>
-              <a:t>1/7/2020 3:58 PM</a:t>
+              <a:t>1/8/2020 1:51 PM</a:t>
             </a:fld>
             <a:endParaRPr lang="en-US" dirty="0"/>
           </a:p>
@@ -932,7 +932,7 @@
           <a:p>
             <a:fld id="{62072DC8-D49D-432C-9D46-A7718B5F5490}" type="datetime8">
               <a:rPr lang="en-US" smtClean="0"/>
-              <a:t>1/7/2020 3:58 PM</a:t>
+              <a:t>1/8/2020 1:51 PM</a:t>
             </a:fld>
             <a:endParaRPr lang="en-US" dirty="0"/>
           </a:p>
@@ -1382,7 +1382,7 @@
           <a:p>
             <a:fld id="{35A2D088-BDBD-41A5-ADCE-5C6A4DC08057}" type="datetime8">
               <a:rPr lang="en-US" smtClean="0"/>
-              <a:t>1/7/2020 4:30 PM</a:t>
+              <a:t>1/8/2020 1:51 PM</a:t>
             </a:fld>
             <a:endParaRPr lang="en-US" dirty="0"/>
           </a:p>
@@ -36769,6 +36769,100 @@
             </a:prstGeom>
           </p:spPr>
         </p:pic>
+      </p:grpSp>
+      <p:grpSp>
+        <p:nvGrpSpPr>
+          <p:cNvPr id="16" name="Group 15">
+            <a:extLst>
+              <a:ext uri="{FF2B5EF4-FFF2-40B4-BE49-F238E27FC236}">
+                <a16:creationId xmlns:a16="http://schemas.microsoft.com/office/drawing/2014/main" id="{BCF9D933-A116-494D-B0AC-D7494A85AFAB}"/>
+              </a:ext>
+            </a:extLst>
+          </p:cNvPr>
+          <p:cNvGrpSpPr/>
+          <p:nvPr/>
+        </p:nvGrpSpPr>
+        <p:grpSpPr>
+          <a:xfrm>
+            <a:off x="480442" y="5592068"/>
+            <a:ext cx="6032259" cy="680880"/>
+            <a:chOff x="230257" y="5441287"/>
+            <a:chExt cx="7291015" cy="822960"/>
+          </a:xfrm>
+        </p:grpSpPr>
+        <p:pic>
+          <p:nvPicPr>
+            <p:cNvPr id="17" name="Picture 16">
+              <a:extLst>
+                <a:ext uri="{FF2B5EF4-FFF2-40B4-BE49-F238E27FC236}">
+                  <a16:creationId xmlns:a16="http://schemas.microsoft.com/office/drawing/2014/main" id="{B7B5717C-B20D-4362-B27E-4EEF80EA8B4A}"/>
+                </a:ext>
+              </a:extLst>
+            </p:cNvPr>
+            <p:cNvPicPr>
+              <a:picLocks noChangeAspect="1"/>
+            </p:cNvPicPr>
+            <p:nvPr/>
+          </p:nvPicPr>
+          <p:blipFill rotWithShape="1">
+            <a:blip r:embed="rId7"/>
+            <a:srcRect l="18407" t="12960" r="15138" b="18407"/>
+            <a:stretch/>
+          </p:blipFill>
+          <p:spPr>
+            <a:xfrm>
+              <a:off x="230257" y="5441287"/>
+              <a:ext cx="796834" cy="822960"/>
+            </a:xfrm>
+            <a:prstGeom prst="rect">
+              <a:avLst/>
+            </a:prstGeom>
+          </p:spPr>
+        </p:pic>
+        <p:sp>
+          <p:nvSpPr>
+            <p:cNvPr id="19" name="TextBox 18">
+              <a:extLst>
+                <a:ext uri="{FF2B5EF4-FFF2-40B4-BE49-F238E27FC236}">
+                  <a16:creationId xmlns:a16="http://schemas.microsoft.com/office/drawing/2014/main" id="{00689A75-E5A4-4C35-96B9-6BD1BBFA7A22}"/>
+                </a:ext>
+              </a:extLst>
+            </p:cNvPr>
+            <p:cNvSpPr txBox="1"/>
+            <p:nvPr/>
+          </p:nvSpPr>
+          <p:spPr>
+            <a:xfrm>
+              <a:off x="1132336" y="5621936"/>
+              <a:ext cx="6388936" cy="483601"/>
+            </a:xfrm>
+            <a:prstGeom prst="rect">
+              <a:avLst/>
+            </a:prstGeom>
+            <a:noFill/>
+          </p:spPr>
+          <p:txBody>
+            <a:bodyPr wrap="square" rtlCol="0">
+              <a:spAutoFit/>
+            </a:bodyPr>
+            <a:lstStyle/>
+            <a:p>
+              <a:pPr defTabSz="1348370">
+                <a:defRPr/>
+              </a:pPr>
+              <a:r>
+                <a:rPr lang="en-CA" sz="2000" dirty="0"/>
+                <a:t>https://github.com/vladcatrinescu/MITT2019</a:t>
+              </a:r>
+              <a:endParaRPr lang="en-US" sz="2000" dirty="0">
+                <a:solidFill>
+                  <a:schemeClr val="tx2"/>
+                </a:solidFill>
+                <a:latin typeface="Roboto Condensed"/>
+              </a:endParaRPr>
+            </a:p>
+          </p:txBody>
+        </p:sp>
       </p:grpSp>
     </p:spTree>
     <p:extLst>
@@ -42269,12 +42363,13 @@
 </file>
 
 <file path=customXml/item1.xml><?xml version="1.0" encoding="utf-8"?>
-<?mso-contentType ?>
-<FormTemplates xmlns="http://schemas.microsoft.com/sharepoint/v3/contenttype/forms">
-  <Display>DocumentLibraryForm</Display>
-  <Edit>DocumentLibraryForm</Edit>
-  <New>DocumentLibraryForm</New>
-</FormTemplates>
+<p:properties xmlns:p="http://schemas.microsoft.com/office/2006/metadata/properties" xmlns:xsi="http://www.w3.org/2001/XMLSchema-instance" xmlns:pc="http://schemas.microsoft.com/office/infopath/2007/PartnerControls">
+  <documentManagement>
+    <_ip_UnifiedCompliancePolicyUIAction xmlns="http://schemas.microsoft.com/sharepoint/v3" xsi:nil="true"/>
+    <_ip_UnifiedCompliancePolicyProperties xmlns="http://schemas.microsoft.com/sharepoint/v3" xsi:nil="true"/>
+    <MediaServiceKeyPoints xmlns="e4aa919a-b200-49cb-beca-4c7e0810321e" xsi:nil="true"/>
+  </documentManagement>
+</p:properties>
 </file>
 
 <file path=customXml/item2.xml><?xml version="1.0" encoding="utf-8"?>
@@ -42512,19 +42607,28 @@
 </file>
 
 <file path=customXml/item3.xml><?xml version="1.0" encoding="utf-8"?>
-<p:properties xmlns:p="http://schemas.microsoft.com/office/2006/metadata/properties" xmlns:xsi="http://www.w3.org/2001/XMLSchema-instance" xmlns:pc="http://schemas.microsoft.com/office/infopath/2007/PartnerControls">
-  <documentManagement>
-    <_ip_UnifiedCompliancePolicyUIAction xmlns="http://schemas.microsoft.com/sharepoint/v3" xsi:nil="true"/>
-    <_ip_UnifiedCompliancePolicyProperties xmlns="http://schemas.microsoft.com/sharepoint/v3" xsi:nil="true"/>
-    <MediaServiceKeyPoints xmlns="e4aa919a-b200-49cb-beca-4c7e0810321e" xsi:nil="true"/>
-  </documentManagement>
-</p:properties>
+<?mso-contentType ?>
+<FormTemplates xmlns="http://schemas.microsoft.com/sharepoint/v3/contenttype/forms">
+  <Display>DocumentLibraryForm</Display>
+  <Edit>DocumentLibraryForm</Edit>
+  <New>DocumentLibraryForm</New>
+</FormTemplates>
 </file>
 
 <file path=customXml/itemProps1.xml><?xml version="1.0" encoding="utf-8"?>
-<ds:datastoreItem xmlns:ds="http://schemas.openxmlformats.org/officeDocument/2006/customXml" ds:itemID="{758FDAC0-319D-4A54-8D8E-1D42CB1F8004}">
+<ds:datastoreItem xmlns:ds="http://schemas.openxmlformats.org/officeDocument/2006/customXml" ds:itemID="{F990F116-B58F-4255-B05B-DA3808E0E5C6}">
   <ds:schemaRefs>
-    <ds:schemaRef ds:uri="http://schemas.microsoft.com/sharepoint/v3/contenttype/forms"/>
+    <ds:schemaRef ds:uri="http://schemas.microsoft.com/office/2006/documentManagement/types"/>
+    <ds:schemaRef ds:uri="http://schemas.openxmlformats.org/package/2006/metadata/core-properties"/>
+    <ds:schemaRef ds:uri="http://www.w3.org/XML/1998/namespace"/>
+    <ds:schemaRef ds:uri="http://purl.org/dc/terms/"/>
+    <ds:schemaRef ds:uri="http://schemas.microsoft.com/sharepoint/v3"/>
+    <ds:schemaRef ds:uri="http://schemas.microsoft.com/office/2006/metadata/properties"/>
+    <ds:schemaRef ds:uri="http://purl.org/dc/elements/1.1/"/>
+    <ds:schemaRef ds:uri="http://schemas.microsoft.com/office/infopath/2007/PartnerControls"/>
+    <ds:schemaRef ds:uri="06670dda-0291-4061-b6e0-f6c0cb392c51"/>
+    <ds:schemaRef ds:uri="e4aa919a-b200-49cb-beca-4c7e0810321e"/>
+    <ds:schemaRef ds:uri="http://purl.org/dc/dcmitype/"/>
   </ds:schemaRefs>
 </ds:datastoreItem>
 </file>
@@ -42550,19 +42654,9 @@
 </file>
 
 <file path=customXml/itemProps3.xml><?xml version="1.0" encoding="utf-8"?>
-<ds:datastoreItem xmlns:ds="http://schemas.openxmlformats.org/officeDocument/2006/customXml" ds:itemID="{F990F116-B58F-4255-B05B-DA3808E0E5C6}">
+<ds:datastoreItem xmlns:ds="http://schemas.openxmlformats.org/officeDocument/2006/customXml" ds:itemID="{758FDAC0-319D-4A54-8D8E-1D42CB1F8004}">
   <ds:schemaRefs>
-    <ds:schemaRef ds:uri="http://schemas.microsoft.com/office/2006/documentManagement/types"/>
-    <ds:schemaRef ds:uri="http://schemas.openxmlformats.org/package/2006/metadata/core-properties"/>
-    <ds:schemaRef ds:uri="http://www.w3.org/XML/1998/namespace"/>
-    <ds:schemaRef ds:uri="http://purl.org/dc/terms/"/>
-    <ds:schemaRef ds:uri="http://schemas.microsoft.com/sharepoint/v3"/>
-    <ds:schemaRef ds:uri="http://schemas.microsoft.com/office/2006/metadata/properties"/>
-    <ds:schemaRef ds:uri="http://purl.org/dc/elements/1.1/"/>
-    <ds:schemaRef ds:uri="http://schemas.microsoft.com/office/infopath/2007/PartnerControls"/>
-    <ds:schemaRef ds:uri="06670dda-0291-4061-b6e0-f6c0cb392c51"/>
-    <ds:schemaRef ds:uri="e4aa919a-b200-49cb-beca-4c7e0810321e"/>
-    <ds:schemaRef ds:uri="http://purl.org/dc/dcmitype/"/>
+    <ds:schemaRef ds:uri="http://schemas.microsoft.com/sharepoint/v3/contenttype/forms"/>
   </ds:schemaRefs>
 </ds:datastoreItem>
 </file>